--- a/Clis/CLIs.pptx
+++ b/Clis/CLIs.pptx
@@ -173,7 +173,7 @@
           <a:noFill/>
           <a:extLst>
             <a:ext uri="{909E8E84-426E-40dd-AFC4-6F175D3DCCD1}">
-              <a14:hiddenFill xmlns="" xmlns:a14="http://schemas.microsoft.com/office/drawing/2010/main">
+              <a14:hiddenFill xmlns:a14="http://schemas.microsoft.com/office/drawing/2010/main" xmlns="">
                 <a:solidFill>
                   <a:srgbClr val="FFFFFF"/>
                 </a:solidFill>
@@ -233,7 +233,7 @@
             </a:ln>
             <a:extLst>
               <a:ext uri="{91240B29-F687-4f45-9708-019B960494DF}">
-                <a14:hiddenLine xmlns="" xmlns:a14="http://schemas.microsoft.com/office/drawing/2010/main" w="9525">
+                <a14:hiddenLine xmlns:a14="http://schemas.microsoft.com/office/drawing/2010/main" xmlns="" w="9525">
                   <a:solidFill>
                     <a:srgbClr val="000000"/>
                   </a:solidFill>
@@ -323,7 +323,7 @@
             </a:ln>
             <a:extLst>
               <a:ext uri="{91240B29-F687-4f45-9708-019B960494DF}">
-                <a14:hiddenLine xmlns="" xmlns:a14="http://schemas.microsoft.com/office/drawing/2010/main" w="9525">
+                <a14:hiddenLine xmlns:a14="http://schemas.microsoft.com/office/drawing/2010/main" xmlns="" w="9525">
                   <a:solidFill>
                     <a:srgbClr val="000000"/>
                   </a:solidFill>
@@ -413,7 +413,7 @@
             </a:ln>
             <a:extLst>
               <a:ext uri="{91240B29-F687-4f45-9708-019B960494DF}">
-                <a14:hiddenLine xmlns="" xmlns:a14="http://schemas.microsoft.com/office/drawing/2010/main" w="9525">
+                <a14:hiddenLine xmlns:a14="http://schemas.microsoft.com/office/drawing/2010/main" xmlns="" w="9525">
                   <a:solidFill>
                     <a:srgbClr val="000000"/>
                   </a:solidFill>
@@ -447,7 +447,7 @@
             </a:ln>
             <a:extLst>
               <a:ext uri="{91240B29-F687-4f45-9708-019B960494DF}">
-                <a14:hiddenLine xmlns="" xmlns:a14="http://schemas.microsoft.com/office/drawing/2010/main" w="9525">
+                <a14:hiddenLine xmlns:a14="http://schemas.microsoft.com/office/drawing/2010/main" xmlns="" w="9525">
                   <a:solidFill>
                     <a:srgbClr val="000000"/>
                   </a:solidFill>
@@ -537,7 +537,7 @@
             </a:ln>
             <a:extLst>
               <a:ext uri="{91240B29-F687-4f45-9708-019B960494DF}">
-                <a14:hiddenLine xmlns="" xmlns:a14="http://schemas.microsoft.com/office/drawing/2010/main" w="9525">
+                <a14:hiddenLine xmlns:a14="http://schemas.microsoft.com/office/drawing/2010/main" xmlns="" w="9525">
                   <a:solidFill>
                     <a:srgbClr val="000000"/>
                   </a:solidFill>
@@ -599,7 +599,7 @@
             </a:ln>
             <a:extLst>
               <a:ext uri="{91240B29-F687-4f45-9708-019B960494DF}">
-                <a14:hiddenLine xmlns="" xmlns:a14="http://schemas.microsoft.com/office/drawing/2010/main" w="9525">
+                <a14:hiddenLine xmlns:a14="http://schemas.microsoft.com/office/drawing/2010/main" xmlns="" w="9525">
                   <a:solidFill>
                     <a:srgbClr val="000000"/>
                   </a:solidFill>
@@ -661,7 +661,7 @@
             </a:ln>
             <a:extLst>
               <a:ext uri="{91240B29-F687-4f45-9708-019B960494DF}">
-                <a14:hiddenLine xmlns="" xmlns:a14="http://schemas.microsoft.com/office/drawing/2010/main" w="9525">
+                <a14:hiddenLine xmlns:a14="http://schemas.microsoft.com/office/drawing/2010/main" xmlns="" w="9525">
                   <a:solidFill>
                     <a:srgbClr val="000000"/>
                   </a:solidFill>
@@ -751,7 +751,7 @@
             </a:ln>
             <a:extLst>
               <a:ext uri="{91240B29-F687-4f45-9708-019B960494DF}">
-                <a14:hiddenLine xmlns="" xmlns:a14="http://schemas.microsoft.com/office/drawing/2010/main" w="9525">
+                <a14:hiddenLine xmlns:a14="http://schemas.microsoft.com/office/drawing/2010/main" xmlns="" w="9525">
                   <a:solidFill>
                     <a:srgbClr val="000000"/>
                   </a:solidFill>
@@ -813,7 +813,7 @@
             </a:ln>
             <a:extLst>
               <a:ext uri="{91240B29-F687-4f45-9708-019B960494DF}">
-                <a14:hiddenLine xmlns="" xmlns:a14="http://schemas.microsoft.com/office/drawing/2010/main" w="9525">
+                <a14:hiddenLine xmlns:a14="http://schemas.microsoft.com/office/drawing/2010/main" xmlns="" w="9525">
                   <a:solidFill>
                     <a:srgbClr val="000000"/>
                   </a:solidFill>
@@ -875,7 +875,7 @@
             </a:ln>
             <a:extLst>
               <a:ext uri="{91240B29-F687-4f45-9708-019B960494DF}">
-                <a14:hiddenLine xmlns="" xmlns:a14="http://schemas.microsoft.com/office/drawing/2010/main" w="9525">
+                <a14:hiddenLine xmlns:a14="http://schemas.microsoft.com/office/drawing/2010/main" xmlns="" w="9525">
                   <a:solidFill>
                     <a:srgbClr val="000000"/>
                   </a:solidFill>
@@ -965,7 +965,7 @@
             </a:ln>
             <a:extLst>
               <a:ext uri="{91240B29-F687-4f45-9708-019B960494DF}">
-                <a14:hiddenLine xmlns="" xmlns:a14="http://schemas.microsoft.com/office/drawing/2010/main" w="9525">
+                <a14:hiddenLine xmlns:a14="http://schemas.microsoft.com/office/drawing/2010/main" xmlns="" w="9525">
                   <a:solidFill>
                     <a:srgbClr val="000000"/>
                   </a:solidFill>
@@ -1055,7 +1055,7 @@
             </a:ln>
             <a:extLst>
               <a:ext uri="{91240B29-F687-4f45-9708-019B960494DF}">
-                <a14:hiddenLine xmlns="" xmlns:a14="http://schemas.microsoft.com/office/drawing/2010/main" w="9525">
+                <a14:hiddenLine xmlns:a14="http://schemas.microsoft.com/office/drawing/2010/main" xmlns="" w="9525">
                   <a:solidFill>
                     <a:srgbClr val="000000"/>
                   </a:solidFill>
@@ -1117,7 +1117,7 @@
             </a:ln>
             <a:extLst>
               <a:ext uri="{91240B29-F687-4f45-9708-019B960494DF}">
-                <a14:hiddenLine xmlns="" xmlns:a14="http://schemas.microsoft.com/office/drawing/2010/main" w="9525">
+                <a14:hiddenLine xmlns:a14="http://schemas.microsoft.com/office/drawing/2010/main" xmlns="" w="9525">
                   <a:solidFill>
                     <a:srgbClr val="000000"/>
                   </a:solidFill>
@@ -1227,7 +1227,7 @@
             </a:ln>
             <a:extLst>
               <a:ext uri="{91240B29-F687-4f45-9708-019B960494DF}">
-                <a14:hiddenLine xmlns="" xmlns:a14="http://schemas.microsoft.com/office/drawing/2010/main" w="9525">
+                <a14:hiddenLine xmlns:a14="http://schemas.microsoft.com/office/drawing/2010/main" xmlns="" w="9525">
                   <a:solidFill>
                     <a:srgbClr val="000000"/>
                   </a:solidFill>
@@ -1289,7 +1289,7 @@
             </a:ln>
             <a:extLst>
               <a:ext uri="{91240B29-F687-4f45-9708-019B960494DF}">
-                <a14:hiddenLine xmlns="" xmlns:a14="http://schemas.microsoft.com/office/drawing/2010/main" w="9525">
+                <a14:hiddenLine xmlns:a14="http://schemas.microsoft.com/office/drawing/2010/main" xmlns="" w="9525">
                   <a:solidFill>
                     <a:srgbClr val="000000"/>
                   </a:solidFill>
@@ -1379,7 +1379,7 @@
             </a:ln>
             <a:extLst>
               <a:ext uri="{91240B29-F687-4f45-9708-019B960494DF}">
-                <a14:hiddenLine xmlns="" xmlns:a14="http://schemas.microsoft.com/office/drawing/2010/main" w="9525">
+                <a14:hiddenLine xmlns:a14="http://schemas.microsoft.com/office/drawing/2010/main" xmlns="" w="9525">
                   <a:solidFill>
                     <a:srgbClr val="000000"/>
                   </a:solidFill>
@@ -1469,7 +1469,7 @@
             </a:ln>
             <a:extLst>
               <a:ext uri="{91240B29-F687-4f45-9708-019B960494DF}">
-                <a14:hiddenLine xmlns="" xmlns:a14="http://schemas.microsoft.com/office/drawing/2010/main" w="9525">
+                <a14:hiddenLine xmlns:a14="http://schemas.microsoft.com/office/drawing/2010/main" xmlns="" w="9525">
                   <a:solidFill>
                     <a:srgbClr val="000000"/>
                   </a:solidFill>
@@ -1531,7 +1531,7 @@
             </a:ln>
             <a:extLst>
               <a:ext uri="{91240B29-F687-4f45-9708-019B960494DF}">
-                <a14:hiddenLine xmlns="" xmlns:a14="http://schemas.microsoft.com/office/drawing/2010/main" w="9525">
+                <a14:hiddenLine xmlns:a14="http://schemas.microsoft.com/office/drawing/2010/main" xmlns="" w="9525">
                   <a:solidFill>
                     <a:srgbClr val="000000"/>
                   </a:solidFill>
@@ -1621,7 +1621,7 @@
             </a:ln>
             <a:extLst>
               <a:ext uri="{91240B29-F687-4f45-9708-019B960494DF}">
-                <a14:hiddenLine xmlns="" xmlns:a14="http://schemas.microsoft.com/office/drawing/2010/main" w="9525">
+                <a14:hiddenLine xmlns:a14="http://schemas.microsoft.com/office/drawing/2010/main" xmlns="" w="9525">
                   <a:solidFill>
                     <a:srgbClr val="000000"/>
                   </a:solidFill>
@@ -1711,7 +1711,7 @@
             </a:ln>
             <a:extLst>
               <a:ext uri="{91240B29-F687-4f45-9708-019B960494DF}">
-                <a14:hiddenLine xmlns="" xmlns:a14="http://schemas.microsoft.com/office/drawing/2010/main" w="9525">
+                <a14:hiddenLine xmlns:a14="http://schemas.microsoft.com/office/drawing/2010/main" xmlns="" w="9525">
                   <a:solidFill>
                     <a:srgbClr val="000000"/>
                   </a:solidFill>
@@ -1767,7 +1767,7 @@
             </a:ln>
             <a:extLst>
               <a:ext uri="{91240B29-F687-4f45-9708-019B960494DF}">
-                <a14:hiddenLine xmlns="" xmlns:a14="http://schemas.microsoft.com/office/drawing/2010/main" w="9525">
+                <a14:hiddenLine xmlns:a14="http://schemas.microsoft.com/office/drawing/2010/main" xmlns="" w="9525">
                   <a:solidFill>
                     <a:srgbClr val="000000"/>
                   </a:solidFill>
@@ -1857,7 +1857,7 @@
             </a:ln>
             <a:extLst>
               <a:ext uri="{91240B29-F687-4f45-9708-019B960494DF}">
-                <a14:hiddenLine xmlns="" xmlns:a14="http://schemas.microsoft.com/office/drawing/2010/main" w="9525">
+                <a14:hiddenLine xmlns:a14="http://schemas.microsoft.com/office/drawing/2010/main" xmlns="" w="9525">
                   <a:solidFill>
                     <a:srgbClr val="000000"/>
                   </a:solidFill>
@@ -1913,7 +1913,7 @@
             </a:ln>
             <a:extLst>
               <a:ext uri="{91240B29-F687-4f45-9708-019B960494DF}">
-                <a14:hiddenLine xmlns="" xmlns:a14="http://schemas.microsoft.com/office/drawing/2010/main" w="9525">
+                <a14:hiddenLine xmlns:a14="http://schemas.microsoft.com/office/drawing/2010/main" xmlns="" w="9525">
                   <a:solidFill>
                     <a:srgbClr val="000000"/>
                   </a:solidFill>
@@ -2003,7 +2003,7 @@
             </a:ln>
             <a:extLst>
               <a:ext uri="{91240B29-F687-4f45-9708-019B960494DF}">
-                <a14:hiddenLine xmlns="" xmlns:a14="http://schemas.microsoft.com/office/drawing/2010/main" w="9525">
+                <a14:hiddenLine xmlns:a14="http://schemas.microsoft.com/office/drawing/2010/main" xmlns="" w="9525">
                   <a:solidFill>
                     <a:srgbClr val="000000"/>
                   </a:solidFill>
@@ -2071,7 +2071,7 @@
             </a:ln>
             <a:extLst>
               <a:ext uri="{91240B29-F687-4f45-9708-019B960494DF}">
-                <a14:hiddenLine xmlns="" xmlns:a14="http://schemas.microsoft.com/office/drawing/2010/main" w="9525">
+                <a14:hiddenLine xmlns:a14="http://schemas.microsoft.com/office/drawing/2010/main" xmlns="" w="9525">
                   <a:solidFill>
                     <a:srgbClr val="000000"/>
                   </a:solidFill>
@@ -2161,7 +2161,7 @@
             </a:ln>
             <a:extLst>
               <a:ext uri="{91240B29-F687-4f45-9708-019B960494DF}">
-                <a14:hiddenLine xmlns="" xmlns:a14="http://schemas.microsoft.com/office/drawing/2010/main" w="9525">
+                <a14:hiddenLine xmlns:a14="http://schemas.microsoft.com/office/drawing/2010/main" xmlns="" w="9525">
                   <a:solidFill>
                     <a:srgbClr val="000000"/>
                   </a:solidFill>
@@ -2229,7 +2229,7 @@
             </a:ln>
             <a:extLst>
               <a:ext uri="{91240B29-F687-4f45-9708-019B960494DF}">
-                <a14:hiddenLine xmlns="" xmlns:a14="http://schemas.microsoft.com/office/drawing/2010/main" w="9525">
+                <a14:hiddenLine xmlns:a14="http://schemas.microsoft.com/office/drawing/2010/main" xmlns="" w="9525">
                   <a:solidFill>
                     <a:srgbClr val="000000"/>
                   </a:solidFill>
@@ -2319,7 +2319,7 @@
             </a:ln>
             <a:extLst>
               <a:ext uri="{91240B29-F687-4f45-9708-019B960494DF}">
-                <a14:hiddenLine xmlns="" xmlns:a14="http://schemas.microsoft.com/office/drawing/2010/main" w="9525">
+                <a14:hiddenLine xmlns:a14="http://schemas.microsoft.com/office/drawing/2010/main" xmlns="" w="9525">
                   <a:solidFill>
                     <a:srgbClr val="000000"/>
                   </a:solidFill>
@@ -2353,7 +2353,7 @@
             </a:ln>
             <a:extLst>
               <a:ext uri="{91240B29-F687-4f45-9708-019B960494DF}">
-                <a14:hiddenLine xmlns="" xmlns:a14="http://schemas.microsoft.com/office/drawing/2010/main" w="9525">
+                <a14:hiddenLine xmlns:a14="http://schemas.microsoft.com/office/drawing/2010/main" xmlns="" w="9525">
                   <a:solidFill>
                     <a:srgbClr val="000000"/>
                   </a:solidFill>
@@ -2443,7 +2443,7 @@
             </a:ln>
             <a:extLst>
               <a:ext uri="{91240B29-F687-4f45-9708-019B960494DF}">
-                <a14:hiddenLine xmlns="" xmlns:a14="http://schemas.microsoft.com/office/drawing/2010/main" w="9525">
+                <a14:hiddenLine xmlns:a14="http://schemas.microsoft.com/office/drawing/2010/main" xmlns="" w="9525">
                   <a:solidFill>
                     <a:srgbClr val="000000"/>
                   </a:solidFill>
@@ -2505,7 +2505,7 @@
             </a:ln>
             <a:extLst>
               <a:ext uri="{91240B29-F687-4f45-9708-019B960494DF}">
-                <a14:hiddenLine xmlns="" xmlns:a14="http://schemas.microsoft.com/office/drawing/2010/main" w="9525">
+                <a14:hiddenLine xmlns:a14="http://schemas.microsoft.com/office/drawing/2010/main" xmlns="" w="9525">
                   <a:solidFill>
                     <a:srgbClr val="000000"/>
                   </a:solidFill>
@@ -2567,7 +2567,7 @@
             </a:ln>
             <a:extLst>
               <a:ext uri="{91240B29-F687-4f45-9708-019B960494DF}">
-                <a14:hiddenLine xmlns="" xmlns:a14="http://schemas.microsoft.com/office/drawing/2010/main" w="9525">
+                <a14:hiddenLine xmlns:a14="http://schemas.microsoft.com/office/drawing/2010/main" xmlns="" w="9525">
                   <a:solidFill>
                     <a:srgbClr val="000000"/>
                   </a:solidFill>
@@ -2657,7 +2657,7 @@
             </a:ln>
             <a:extLst>
               <a:ext uri="{91240B29-F687-4f45-9708-019B960494DF}">
-                <a14:hiddenLine xmlns="" xmlns:a14="http://schemas.microsoft.com/office/drawing/2010/main" w="9525">
+                <a14:hiddenLine xmlns:a14="http://schemas.microsoft.com/office/drawing/2010/main" xmlns="" w="9525">
                   <a:solidFill>
                     <a:srgbClr val="000000"/>
                   </a:solidFill>
@@ -2725,7 +2725,7 @@
             </a:ln>
             <a:extLst>
               <a:ext uri="{91240B29-F687-4f45-9708-019B960494DF}">
-                <a14:hiddenLine xmlns="" xmlns:a14="http://schemas.microsoft.com/office/drawing/2010/main" w="9525">
+                <a14:hiddenLine xmlns:a14="http://schemas.microsoft.com/office/drawing/2010/main" xmlns="" w="9525">
                   <a:solidFill>
                     <a:srgbClr val="000000"/>
                   </a:solidFill>
@@ -2787,7 +2787,7 @@
             </a:ln>
             <a:extLst>
               <a:ext uri="{91240B29-F687-4f45-9708-019B960494DF}">
-                <a14:hiddenLine xmlns="" xmlns:a14="http://schemas.microsoft.com/office/drawing/2010/main" w="9525">
+                <a14:hiddenLine xmlns:a14="http://schemas.microsoft.com/office/drawing/2010/main" xmlns="" w="9525">
                   <a:solidFill>
                     <a:srgbClr val="000000"/>
                   </a:solidFill>
@@ -2877,7 +2877,7 @@
             </a:ln>
             <a:extLst>
               <a:ext uri="{91240B29-F687-4f45-9708-019B960494DF}">
-                <a14:hiddenLine xmlns="" xmlns:a14="http://schemas.microsoft.com/office/drawing/2010/main" w="9525">
+                <a14:hiddenLine xmlns:a14="http://schemas.microsoft.com/office/drawing/2010/main" xmlns="" w="9525">
                   <a:solidFill>
                     <a:srgbClr val="000000"/>
                   </a:solidFill>
@@ -2939,7 +2939,7 @@
             </a:ln>
             <a:extLst>
               <a:ext uri="{91240B29-F687-4f45-9708-019B960494DF}">
-                <a14:hiddenLine xmlns="" xmlns:a14="http://schemas.microsoft.com/office/drawing/2010/main" w="9525">
+                <a14:hiddenLine xmlns:a14="http://schemas.microsoft.com/office/drawing/2010/main" xmlns="" w="9525">
                   <a:solidFill>
                     <a:srgbClr val="000000"/>
                   </a:solidFill>
@@ -3029,7 +3029,7 @@
             </a:ln>
             <a:extLst>
               <a:ext uri="{91240B29-F687-4f45-9708-019B960494DF}">
-                <a14:hiddenLine xmlns="" xmlns:a14="http://schemas.microsoft.com/office/drawing/2010/main" w="9525">
+                <a14:hiddenLine xmlns:a14="http://schemas.microsoft.com/office/drawing/2010/main" xmlns="" w="9525">
                   <a:solidFill>
                     <a:srgbClr val="000000"/>
                   </a:solidFill>
@@ -3091,7 +3091,7 @@
             </a:ln>
             <a:extLst>
               <a:ext uri="{91240B29-F687-4f45-9708-019B960494DF}">
-                <a14:hiddenLine xmlns="" xmlns:a14="http://schemas.microsoft.com/office/drawing/2010/main" w="9525">
+                <a14:hiddenLine xmlns:a14="http://schemas.microsoft.com/office/drawing/2010/main" xmlns="" w="9525">
                   <a:solidFill>
                     <a:srgbClr val="000000"/>
                   </a:solidFill>
@@ -3181,7 +3181,7 @@
             </a:ln>
             <a:extLst>
               <a:ext uri="{91240B29-F687-4f45-9708-019B960494DF}">
-                <a14:hiddenLine xmlns="" xmlns:a14="http://schemas.microsoft.com/office/drawing/2010/main" w="9525">
+                <a14:hiddenLine xmlns:a14="http://schemas.microsoft.com/office/drawing/2010/main" xmlns="" w="9525">
                   <a:solidFill>
                     <a:srgbClr val="000000"/>
                   </a:solidFill>
@@ -3215,7 +3215,7 @@
             </a:ln>
             <a:extLst>
               <a:ext uri="{91240B29-F687-4f45-9708-019B960494DF}">
-                <a14:hiddenLine xmlns="" xmlns:a14="http://schemas.microsoft.com/office/drawing/2010/main" w="9525">
+                <a14:hiddenLine xmlns:a14="http://schemas.microsoft.com/office/drawing/2010/main" xmlns="" w="9525">
                   <a:solidFill>
                     <a:srgbClr val="000000"/>
                   </a:solidFill>
@@ -3280,7 +3280,7 @@
             </a:ln>
             <a:extLst>
               <a:ext uri="{91240B29-F687-4f45-9708-019B960494DF}">
-                <a14:hiddenLine xmlns="" xmlns:a14="http://schemas.microsoft.com/office/drawing/2010/main" w="9525">
+                <a14:hiddenLine xmlns:a14="http://schemas.microsoft.com/office/drawing/2010/main" xmlns="" w="9525">
                   <a:solidFill>
                     <a:srgbClr val="000000"/>
                   </a:solidFill>
@@ -3370,7 +3370,7 @@
             </a:ln>
             <a:extLst>
               <a:ext uri="{91240B29-F687-4f45-9708-019B960494DF}">
-                <a14:hiddenLine xmlns="" xmlns:a14="http://schemas.microsoft.com/office/drawing/2010/main" w="9525">
+                <a14:hiddenLine xmlns:a14="http://schemas.microsoft.com/office/drawing/2010/main" xmlns="" w="9525">
                   <a:solidFill>
                     <a:srgbClr val="000000"/>
                   </a:solidFill>
@@ -3432,7 +3432,7 @@
             </a:ln>
             <a:extLst>
               <a:ext uri="{91240B29-F687-4f45-9708-019B960494DF}">
-                <a14:hiddenLine xmlns="" xmlns:a14="http://schemas.microsoft.com/office/drawing/2010/main" w="9525">
+                <a14:hiddenLine xmlns:a14="http://schemas.microsoft.com/office/drawing/2010/main" xmlns="" w="9525">
                   <a:solidFill>
                     <a:srgbClr val="000000"/>
                   </a:solidFill>
@@ -3522,7 +3522,7 @@
             </a:ln>
             <a:extLst>
               <a:ext uri="{91240B29-F687-4f45-9708-019B960494DF}">
-                <a14:hiddenLine xmlns="" xmlns:a14="http://schemas.microsoft.com/office/drawing/2010/main" w="9525">
+                <a14:hiddenLine xmlns:a14="http://schemas.microsoft.com/office/drawing/2010/main" xmlns="" w="9525">
                   <a:solidFill>
                     <a:srgbClr val="000000"/>
                   </a:solidFill>
@@ -3612,7 +3612,7 @@
             </a:ln>
             <a:extLst>
               <a:ext uri="{91240B29-F687-4f45-9708-019B960494DF}">
-                <a14:hiddenLine xmlns="" xmlns:a14="http://schemas.microsoft.com/office/drawing/2010/main" w="9525">
+                <a14:hiddenLine xmlns:a14="http://schemas.microsoft.com/office/drawing/2010/main" xmlns="" w="9525">
                   <a:solidFill>
                     <a:srgbClr val="000000"/>
                   </a:solidFill>
@@ -3677,7 +3677,7 @@
             </a:ln>
             <a:extLst>
               <a:ext uri="{91240B29-F687-4f45-9708-019B960494DF}">
-                <a14:hiddenLine xmlns="" xmlns:a14="http://schemas.microsoft.com/office/drawing/2010/main" w="9525">
+                <a14:hiddenLine xmlns:a14="http://schemas.microsoft.com/office/drawing/2010/main" xmlns="" w="9525">
                   <a:solidFill>
                     <a:srgbClr val="000000"/>
                   </a:solidFill>
@@ -3739,7 +3739,7 @@
             </a:ln>
             <a:extLst>
               <a:ext uri="{91240B29-F687-4f45-9708-019B960494DF}">
-                <a14:hiddenLine xmlns="" xmlns:a14="http://schemas.microsoft.com/office/drawing/2010/main" w="9525">
+                <a14:hiddenLine xmlns:a14="http://schemas.microsoft.com/office/drawing/2010/main" xmlns="" w="9525">
                   <a:solidFill>
                     <a:srgbClr val="000000"/>
                   </a:solidFill>
@@ -3829,7 +3829,7 @@
             </a:ln>
             <a:extLst>
               <a:ext uri="{91240B29-F687-4f45-9708-019B960494DF}">
-                <a14:hiddenLine xmlns="" xmlns:a14="http://schemas.microsoft.com/office/drawing/2010/main" w="9525">
+                <a14:hiddenLine xmlns:a14="http://schemas.microsoft.com/office/drawing/2010/main" xmlns="" w="9525">
                   <a:solidFill>
                     <a:srgbClr val="000000"/>
                   </a:solidFill>
@@ -3919,7 +3919,7 @@
             </a:ln>
             <a:extLst>
               <a:ext uri="{91240B29-F687-4f45-9708-019B960494DF}">
-                <a14:hiddenLine xmlns="" xmlns:a14="http://schemas.microsoft.com/office/drawing/2010/main" w="9525">
+                <a14:hiddenLine xmlns:a14="http://schemas.microsoft.com/office/drawing/2010/main" xmlns="" w="9525">
                   <a:solidFill>
                     <a:srgbClr val="000000"/>
                   </a:solidFill>
@@ -3981,7 +3981,7 @@
             </a:ln>
             <a:extLst>
               <a:ext uri="{91240B29-F687-4f45-9708-019B960494DF}">
-                <a14:hiddenLine xmlns="" xmlns:a14="http://schemas.microsoft.com/office/drawing/2010/main" w="9525">
+                <a14:hiddenLine xmlns:a14="http://schemas.microsoft.com/office/drawing/2010/main" xmlns="" w="9525">
                   <a:solidFill>
                     <a:srgbClr val="000000"/>
                   </a:solidFill>
@@ -4101,7 +4101,7 @@
             </a:ln>
             <a:extLst>
               <a:ext uri="{91240B29-F687-4f45-9708-019B960494DF}">
-                <a14:hiddenLine xmlns="" xmlns:a14="http://schemas.microsoft.com/office/drawing/2010/main" w="9525">
+                <a14:hiddenLine xmlns:a14="http://schemas.microsoft.com/office/drawing/2010/main" xmlns="" w="9525">
                   <a:solidFill>
                     <a:srgbClr val="000000"/>
                   </a:solidFill>
@@ -4169,7 +4169,7 @@
             </a:ln>
             <a:extLst>
               <a:ext uri="{91240B29-F687-4f45-9708-019B960494DF}">
-                <a14:hiddenLine xmlns="" xmlns:a14="http://schemas.microsoft.com/office/drawing/2010/main" w="9525">
+                <a14:hiddenLine xmlns:a14="http://schemas.microsoft.com/office/drawing/2010/main" xmlns="" w="9525">
                   <a:solidFill>
                     <a:srgbClr val="000000"/>
                   </a:solidFill>
@@ -4259,7 +4259,7 @@
             </a:ln>
             <a:extLst>
               <a:ext uri="{91240B29-F687-4f45-9708-019B960494DF}">
-                <a14:hiddenLine xmlns="" xmlns:a14="http://schemas.microsoft.com/office/drawing/2010/main" w="9525">
+                <a14:hiddenLine xmlns:a14="http://schemas.microsoft.com/office/drawing/2010/main" xmlns="" w="9525">
                   <a:solidFill>
                     <a:srgbClr val="000000"/>
                   </a:solidFill>
@@ -4399,7 +4399,7 @@
           <a:p>
             <a:fld id="{48A87A34-81AB-432B-8DAE-1953F412C126}" type="datetimeFigureOut">
               <a:rPr lang="en-US" dirty="0"/>
-              <a:t>6/26/2019</a:t>
+              <a:t>11/6/2019</a:t>
             </a:fld>
             <a:endParaRPr lang="en-US" dirty="0"/>
           </a:p>
@@ -4661,7 +4661,7 @@
           <a:p>
             <a:fld id="{48A87A34-81AB-432B-8DAE-1953F412C126}" type="datetimeFigureOut">
               <a:rPr lang="en-US" dirty="0"/>
-              <a:t>6/26/2019</a:t>
+              <a:t>11/6/2019</a:t>
             </a:fld>
             <a:endParaRPr lang="en-US" dirty="0"/>
           </a:p>
@@ -4852,7 +4852,7 @@
           <a:p>
             <a:fld id="{48A87A34-81AB-432B-8DAE-1953F412C126}" type="datetimeFigureOut">
               <a:rPr lang="en-US" dirty="0"/>
-              <a:t>6/26/2019</a:t>
+              <a:t>11/6/2019</a:t>
             </a:fld>
             <a:endParaRPr lang="en-US" dirty="0"/>
           </a:p>
@@ -5110,7 +5110,7 @@
           <a:p>
             <a:fld id="{48A87A34-81AB-432B-8DAE-1953F412C126}" type="datetimeFigureOut">
               <a:rPr lang="en-US" dirty="0"/>
-              <a:t>6/26/2019</a:t>
+              <a:t>11/6/2019</a:t>
             </a:fld>
             <a:endParaRPr lang="en-US" dirty="0"/>
           </a:p>
@@ -5539,7 +5539,7 @@
           <a:p>
             <a:fld id="{48A87A34-81AB-432B-8DAE-1953F412C126}" type="datetimeFigureOut">
               <a:rPr lang="en-US" dirty="0"/>
-              <a:t>6/26/2019</a:t>
+              <a:t>11/6/2019</a:t>
             </a:fld>
             <a:endParaRPr lang="en-US" dirty="0"/>
           </a:p>
@@ -6080,7 +6080,7 @@
           <a:p>
             <a:fld id="{48A87A34-81AB-432B-8DAE-1953F412C126}" type="datetimeFigureOut">
               <a:rPr lang="en-US" dirty="0"/>
-              <a:t>6/26/2019</a:t>
+              <a:t>11/6/2019</a:t>
             </a:fld>
             <a:endParaRPr lang="en-US" dirty="0"/>
           </a:p>
@@ -6795,7 +6795,7 @@
           <a:p>
             <a:fld id="{48A87A34-81AB-432B-8DAE-1953F412C126}" type="datetimeFigureOut">
               <a:rPr lang="en-US" dirty="0"/>
-              <a:t>6/26/2019</a:t>
+              <a:t>11/6/2019</a:t>
             </a:fld>
             <a:endParaRPr lang="en-US" dirty="0"/>
           </a:p>
@@ -6960,7 +6960,7 @@
           <a:p>
             <a:fld id="{48A87A34-81AB-432B-8DAE-1953F412C126}" type="datetimeFigureOut">
               <a:rPr lang="en-US" dirty="0"/>
-              <a:t>6/26/2019</a:t>
+              <a:t>11/6/2019</a:t>
             </a:fld>
             <a:endParaRPr lang="en-US" dirty="0"/>
           </a:p>
@@ -7135,7 +7135,7 @@
           <a:p>
             <a:fld id="{48A87A34-81AB-432B-8DAE-1953F412C126}" type="datetimeFigureOut">
               <a:rPr lang="en-US" dirty="0"/>
-              <a:t>6/26/2019</a:t>
+              <a:t>11/6/2019</a:t>
             </a:fld>
             <a:endParaRPr lang="en-US" dirty="0"/>
           </a:p>
@@ -7300,7 +7300,7 @@
           <a:p>
             <a:fld id="{48A87A34-81AB-432B-8DAE-1953F412C126}" type="datetimeFigureOut">
               <a:rPr lang="en-US" dirty="0"/>
-              <a:t>6/26/2019</a:t>
+              <a:t>11/6/2019</a:t>
             </a:fld>
             <a:endParaRPr lang="en-US" dirty="0"/>
           </a:p>
@@ -7545,7 +7545,7 @@
           <a:p>
             <a:fld id="{48A87A34-81AB-432B-8DAE-1953F412C126}" type="datetimeFigureOut">
               <a:rPr lang="en-US" dirty="0"/>
-              <a:t>6/26/2019</a:t>
+              <a:t>11/6/2019</a:t>
             </a:fld>
             <a:endParaRPr lang="en-US" dirty="0"/>
           </a:p>
@@ -7772,7 +7772,7 @@
           <a:p>
             <a:fld id="{48A87A34-81AB-432B-8DAE-1953F412C126}" type="datetimeFigureOut">
               <a:rPr lang="en-US" dirty="0"/>
-              <a:t>6/26/2019</a:t>
+              <a:t>11/6/2019</a:t>
             </a:fld>
             <a:endParaRPr lang="en-US" dirty="0"/>
           </a:p>
@@ -8148,7 +8148,7 @@
           <a:p>
             <a:fld id="{48A87A34-81AB-432B-8DAE-1953F412C126}" type="datetimeFigureOut">
               <a:rPr lang="en-US" dirty="0"/>
-              <a:t>6/26/2019</a:t>
+              <a:t>11/6/2019</a:t>
             </a:fld>
             <a:endParaRPr lang="en-US" dirty="0"/>
           </a:p>
@@ -8261,7 +8261,7 @@
           <a:p>
             <a:fld id="{48A87A34-81AB-432B-8DAE-1953F412C126}" type="datetimeFigureOut">
               <a:rPr lang="en-US" dirty="0"/>
-              <a:t>6/26/2019</a:t>
+              <a:t>11/6/2019</a:t>
             </a:fld>
             <a:endParaRPr lang="en-US" dirty="0"/>
           </a:p>
@@ -8351,7 +8351,7 @@
           <a:p>
             <a:fld id="{48A87A34-81AB-432B-8DAE-1953F412C126}" type="datetimeFigureOut">
               <a:rPr lang="en-US" dirty="0"/>
-              <a:t>6/26/2019</a:t>
+              <a:t>11/6/2019</a:t>
             </a:fld>
             <a:endParaRPr lang="en-US" dirty="0"/>
           </a:p>
@@ -8595,7 +8595,7 @@
           <a:p>
             <a:fld id="{48A87A34-81AB-432B-8DAE-1953F412C126}" type="datetimeFigureOut">
               <a:rPr lang="en-US" dirty="0"/>
-              <a:t>6/26/2019</a:t>
+              <a:t>11/6/2019</a:t>
             </a:fld>
             <a:endParaRPr lang="en-US" dirty="0"/>
           </a:p>
@@ -8870,7 +8870,7 @@
           <a:p>
             <a:fld id="{48A87A34-81AB-432B-8DAE-1953F412C126}" type="datetimeFigureOut">
               <a:rPr lang="en-US" dirty="0"/>
-              <a:t>6/26/2019</a:t>
+              <a:t>11/6/2019</a:t>
             </a:fld>
             <a:endParaRPr lang="en-US" dirty="0"/>
           </a:p>
@@ -8981,7 +8981,7 @@
           <a:noFill/>
           <a:extLst>
             <a:ext uri="{909E8E84-426E-40dd-AFC4-6F175D3DCCD1}">
-              <a14:hiddenFill xmlns="" xmlns:a14="http://schemas.microsoft.com/office/drawing/2010/main">
+              <a14:hiddenFill xmlns:a14="http://schemas.microsoft.com/office/drawing/2010/main" xmlns="">
                 <a:solidFill>
                   <a:srgbClr val="FFFFFF"/>
                 </a:solidFill>
@@ -9055,7 +9055,7 @@
               </a:ln>
               <a:extLst>
                 <a:ext uri="{91240B29-F687-4f45-9708-019B960494DF}">
-                  <a14:hiddenLine xmlns="" xmlns:a14="http://schemas.microsoft.com/office/drawing/2010/main" w="9525">
+                  <a14:hiddenLine xmlns:a14="http://schemas.microsoft.com/office/drawing/2010/main" xmlns="" w="9525">
                     <a:solidFill>
                       <a:srgbClr val="000000"/>
                     </a:solidFill>
@@ -9145,7 +9145,7 @@
               </a:ln>
               <a:extLst>
                 <a:ext uri="{91240B29-F687-4f45-9708-019B960494DF}">
-                  <a14:hiddenLine xmlns="" xmlns:a14="http://schemas.microsoft.com/office/drawing/2010/main" w="9525">
+                  <a14:hiddenLine xmlns:a14="http://schemas.microsoft.com/office/drawing/2010/main" xmlns="" w="9525">
                     <a:solidFill>
                       <a:srgbClr val="000000"/>
                     </a:solidFill>
@@ -9235,7 +9235,7 @@
               </a:ln>
               <a:extLst>
                 <a:ext uri="{91240B29-F687-4f45-9708-019B960494DF}">
-                  <a14:hiddenLine xmlns="" xmlns:a14="http://schemas.microsoft.com/office/drawing/2010/main" w="9525">
+                  <a14:hiddenLine xmlns:a14="http://schemas.microsoft.com/office/drawing/2010/main" xmlns="" w="9525">
                     <a:solidFill>
                       <a:srgbClr val="000000"/>
                     </a:solidFill>
@@ -9297,7 +9297,7 @@
               </a:ln>
               <a:extLst>
                 <a:ext uri="{91240B29-F687-4f45-9708-019B960494DF}">
-                  <a14:hiddenLine xmlns="" xmlns:a14="http://schemas.microsoft.com/office/drawing/2010/main" w="9525">
+                  <a14:hiddenLine xmlns:a14="http://schemas.microsoft.com/office/drawing/2010/main" xmlns="" w="9525">
                     <a:solidFill>
                       <a:srgbClr val="000000"/>
                     </a:solidFill>
@@ -9387,7 +9387,7 @@
               </a:ln>
               <a:extLst>
                 <a:ext uri="{91240B29-F687-4f45-9708-019B960494DF}">
-                  <a14:hiddenLine xmlns="" xmlns:a14="http://schemas.microsoft.com/office/drawing/2010/main" w="9525">
+                  <a14:hiddenLine xmlns:a14="http://schemas.microsoft.com/office/drawing/2010/main" xmlns="" w="9525">
                     <a:solidFill>
                       <a:srgbClr val="000000"/>
                     </a:solidFill>
@@ -9449,7 +9449,7 @@
               </a:ln>
               <a:extLst>
                 <a:ext uri="{91240B29-F687-4f45-9708-019B960494DF}">
-                  <a14:hiddenLine xmlns="" xmlns:a14="http://schemas.microsoft.com/office/drawing/2010/main" w="9525">
+                  <a14:hiddenLine xmlns:a14="http://schemas.microsoft.com/office/drawing/2010/main" xmlns="" w="9525">
                     <a:solidFill>
                       <a:srgbClr val="000000"/>
                     </a:solidFill>
@@ -9511,7 +9511,7 @@
               </a:ln>
               <a:extLst>
                 <a:ext uri="{91240B29-F687-4f45-9708-019B960494DF}">
-                  <a14:hiddenLine xmlns="" xmlns:a14="http://schemas.microsoft.com/office/drawing/2010/main" w="9525">
+                  <a14:hiddenLine xmlns:a14="http://schemas.microsoft.com/office/drawing/2010/main" xmlns="" w="9525">
                     <a:solidFill>
                       <a:srgbClr val="000000"/>
                     </a:solidFill>
@@ -9601,7 +9601,7 @@
               </a:ln>
               <a:extLst>
                 <a:ext uri="{91240B29-F687-4f45-9708-019B960494DF}">
-                  <a14:hiddenLine xmlns="" xmlns:a14="http://schemas.microsoft.com/office/drawing/2010/main" w="9525">
+                  <a14:hiddenLine xmlns:a14="http://schemas.microsoft.com/office/drawing/2010/main" xmlns="" w="9525">
                     <a:solidFill>
                       <a:srgbClr val="000000"/>
                     </a:solidFill>
@@ -9691,7 +9691,7 @@
               </a:ln>
               <a:extLst>
                 <a:ext uri="{91240B29-F687-4f45-9708-019B960494DF}">
-                  <a14:hiddenLine xmlns="" xmlns:a14="http://schemas.microsoft.com/office/drawing/2010/main" w="9525">
+                  <a14:hiddenLine xmlns:a14="http://schemas.microsoft.com/office/drawing/2010/main" xmlns="" w="9525">
                     <a:solidFill>
                       <a:srgbClr val="000000"/>
                     </a:solidFill>
@@ -9753,7 +9753,7 @@
               </a:ln>
               <a:extLst>
                 <a:ext uri="{91240B29-F687-4f45-9708-019B960494DF}">
-                  <a14:hiddenLine xmlns="" xmlns:a14="http://schemas.microsoft.com/office/drawing/2010/main" w="9525">
+                  <a14:hiddenLine xmlns:a14="http://schemas.microsoft.com/office/drawing/2010/main" xmlns="" w="9525">
                     <a:solidFill>
                       <a:srgbClr val="000000"/>
                     </a:solidFill>
@@ -9863,7 +9863,7 @@
               </a:ln>
               <a:extLst>
                 <a:ext uri="{91240B29-F687-4f45-9708-019B960494DF}">
-                  <a14:hiddenLine xmlns="" xmlns:a14="http://schemas.microsoft.com/office/drawing/2010/main" w="9525">
+                  <a14:hiddenLine xmlns:a14="http://schemas.microsoft.com/office/drawing/2010/main" xmlns="" w="9525">
                     <a:solidFill>
                       <a:srgbClr val="000000"/>
                     </a:solidFill>
@@ -9947,7 +9947,7 @@
               </a:ln>
               <a:extLst>
                 <a:ext uri="{91240B29-F687-4f45-9708-019B960494DF}">
-                  <a14:hiddenLine xmlns="" xmlns:a14="http://schemas.microsoft.com/office/drawing/2010/main" w="9525">
+                  <a14:hiddenLine xmlns:a14="http://schemas.microsoft.com/office/drawing/2010/main" xmlns="" w="9525">
                     <a:solidFill>
                       <a:srgbClr val="000000"/>
                     </a:solidFill>
@@ -10009,7 +10009,7 @@
               </a:ln>
               <a:extLst>
                 <a:ext uri="{91240B29-F687-4f45-9708-019B960494DF}">
-                  <a14:hiddenLine xmlns="" xmlns:a14="http://schemas.microsoft.com/office/drawing/2010/main" w="9525">
+                  <a14:hiddenLine xmlns:a14="http://schemas.microsoft.com/office/drawing/2010/main" xmlns="" w="9525">
                     <a:solidFill>
                       <a:srgbClr val="000000"/>
                     </a:solidFill>
@@ -10071,7 +10071,7 @@
               </a:ln>
               <a:extLst>
                 <a:ext uri="{91240B29-F687-4f45-9708-019B960494DF}">
-                  <a14:hiddenLine xmlns="" xmlns:a14="http://schemas.microsoft.com/office/drawing/2010/main" w="9525">
+                  <a14:hiddenLine xmlns:a14="http://schemas.microsoft.com/office/drawing/2010/main" xmlns="" w="9525">
                     <a:solidFill>
                       <a:srgbClr val="000000"/>
                     </a:solidFill>
@@ -10161,7 +10161,7 @@
               </a:ln>
               <a:extLst>
                 <a:ext uri="{91240B29-F687-4f45-9708-019B960494DF}">
-                  <a14:hiddenLine xmlns="" xmlns:a14="http://schemas.microsoft.com/office/drawing/2010/main" w="9525">
+                  <a14:hiddenLine xmlns:a14="http://schemas.microsoft.com/office/drawing/2010/main" xmlns="" w="9525">
                     <a:solidFill>
                       <a:srgbClr val="000000"/>
                     </a:solidFill>
@@ -10195,7 +10195,7 @@
               </a:ln>
               <a:extLst>
                 <a:ext uri="{91240B29-F687-4f45-9708-019B960494DF}">
-                  <a14:hiddenLine xmlns="" xmlns:a14="http://schemas.microsoft.com/office/drawing/2010/main" w="9525">
+                  <a14:hiddenLine xmlns:a14="http://schemas.microsoft.com/office/drawing/2010/main" xmlns="" w="9525">
                     <a:solidFill>
                       <a:srgbClr val="000000"/>
                     </a:solidFill>
@@ -10260,7 +10260,7 @@
               </a:ln>
               <a:extLst>
                 <a:ext uri="{91240B29-F687-4f45-9708-019B960494DF}">
-                  <a14:hiddenLine xmlns="" xmlns:a14="http://schemas.microsoft.com/office/drawing/2010/main" w="9525">
+                  <a14:hiddenLine xmlns:a14="http://schemas.microsoft.com/office/drawing/2010/main" xmlns="" w="9525">
                     <a:solidFill>
                       <a:srgbClr val="000000"/>
                     </a:solidFill>
@@ -10350,7 +10350,7 @@
               </a:ln>
               <a:extLst>
                 <a:ext uri="{91240B29-F687-4f45-9708-019B960494DF}">
-                  <a14:hiddenLine xmlns="" xmlns:a14="http://schemas.microsoft.com/office/drawing/2010/main" w="9525">
+                  <a14:hiddenLine xmlns:a14="http://schemas.microsoft.com/office/drawing/2010/main" xmlns="" w="9525">
                     <a:solidFill>
                       <a:srgbClr val="000000"/>
                     </a:solidFill>
@@ -10412,7 +10412,7 @@
               </a:ln>
               <a:extLst>
                 <a:ext uri="{91240B29-F687-4f45-9708-019B960494DF}">
-                  <a14:hiddenLine xmlns="" xmlns:a14="http://schemas.microsoft.com/office/drawing/2010/main" w="9525">
+                  <a14:hiddenLine xmlns:a14="http://schemas.microsoft.com/office/drawing/2010/main" xmlns="" w="9525">
                     <a:solidFill>
                       <a:srgbClr val="000000"/>
                     </a:solidFill>
@@ -10502,7 +10502,7 @@
               </a:ln>
               <a:extLst>
                 <a:ext uri="{91240B29-F687-4f45-9708-019B960494DF}">
-                  <a14:hiddenLine xmlns="" xmlns:a14="http://schemas.microsoft.com/office/drawing/2010/main" w="9525">
+                  <a14:hiddenLine xmlns:a14="http://schemas.microsoft.com/office/drawing/2010/main" xmlns="" w="9525">
                     <a:solidFill>
                       <a:srgbClr val="000000"/>
                     </a:solidFill>
@@ -10567,7 +10567,7 @@
               </a:ln>
               <a:extLst>
                 <a:ext uri="{91240B29-F687-4f45-9708-019B960494DF}">
-                  <a14:hiddenLine xmlns="" xmlns:a14="http://schemas.microsoft.com/office/drawing/2010/main" w="9525">
+                  <a14:hiddenLine xmlns:a14="http://schemas.microsoft.com/office/drawing/2010/main" xmlns="" w="9525">
                     <a:solidFill>
                       <a:srgbClr val="000000"/>
                     </a:solidFill>
@@ -10629,7 +10629,7 @@
               </a:ln>
               <a:extLst>
                 <a:ext uri="{91240B29-F687-4f45-9708-019B960494DF}">
-                  <a14:hiddenLine xmlns="" xmlns:a14="http://schemas.microsoft.com/office/drawing/2010/main" w="9525">
+                  <a14:hiddenLine xmlns:a14="http://schemas.microsoft.com/office/drawing/2010/main" xmlns="" w="9525">
                     <a:solidFill>
                       <a:srgbClr val="000000"/>
                     </a:solidFill>
@@ -10719,7 +10719,7 @@
               </a:ln>
               <a:extLst>
                 <a:ext uri="{91240B29-F687-4f45-9708-019B960494DF}">
-                  <a14:hiddenLine xmlns="" xmlns:a14="http://schemas.microsoft.com/office/drawing/2010/main" w="9525">
+                  <a14:hiddenLine xmlns:a14="http://schemas.microsoft.com/office/drawing/2010/main" xmlns="" w="9525">
                     <a:solidFill>
                       <a:srgbClr val="000000"/>
                     </a:solidFill>
@@ -10809,7 +10809,7 @@
               </a:ln>
               <a:extLst>
                 <a:ext uri="{91240B29-F687-4f45-9708-019B960494DF}">
-                  <a14:hiddenLine xmlns="" xmlns:a14="http://schemas.microsoft.com/office/drawing/2010/main" w="9525">
+                  <a14:hiddenLine xmlns:a14="http://schemas.microsoft.com/office/drawing/2010/main" xmlns="" w="9525">
                     <a:solidFill>
                       <a:srgbClr val="000000"/>
                     </a:solidFill>
@@ -10874,7 +10874,7 @@
               </a:ln>
               <a:extLst>
                 <a:ext uri="{91240B29-F687-4f45-9708-019B960494DF}">
-                  <a14:hiddenLine xmlns="" xmlns:a14="http://schemas.microsoft.com/office/drawing/2010/main" w="9525">
+                  <a14:hiddenLine xmlns:a14="http://schemas.microsoft.com/office/drawing/2010/main" xmlns="" w="9525">
                     <a:solidFill>
                       <a:srgbClr val="000000"/>
                     </a:solidFill>
@@ -10994,7 +10994,7 @@
               </a:ln>
               <a:extLst>
                 <a:ext uri="{91240B29-F687-4f45-9708-019B960494DF}">
-                  <a14:hiddenLine xmlns="" xmlns:a14="http://schemas.microsoft.com/office/drawing/2010/main" w="9525">
+                  <a14:hiddenLine xmlns:a14="http://schemas.microsoft.com/office/drawing/2010/main" xmlns="" w="9525">
                     <a:solidFill>
                       <a:srgbClr val="000000"/>
                     </a:solidFill>
@@ -11092,7 +11092,7 @@
               </a:ln>
               <a:extLst>
                 <a:ext uri="{91240B29-F687-4f45-9708-019B960494DF}">
-                  <a14:hiddenLine xmlns="" xmlns:a14="http://schemas.microsoft.com/office/drawing/2010/main" w="9525">
+                  <a14:hiddenLine xmlns:a14="http://schemas.microsoft.com/office/drawing/2010/main" xmlns="" w="9525">
                     <a:solidFill>
                       <a:srgbClr val="000000"/>
                     </a:solidFill>
@@ -11207,7 +11207,7 @@
               </a:ln>
               <a:extLst>
                 <a:ext uri="{91240B29-F687-4f45-9708-019B960494DF}">
-                  <a14:hiddenLine xmlns="" xmlns:a14="http://schemas.microsoft.com/office/drawing/2010/main" w="9525">
+                  <a14:hiddenLine xmlns:a14="http://schemas.microsoft.com/office/drawing/2010/main" xmlns="" w="9525">
                     <a:solidFill>
                       <a:srgbClr val="000000"/>
                     </a:solidFill>
@@ -11297,7 +11297,7 @@
               </a:ln>
               <a:extLst>
                 <a:ext uri="{91240B29-F687-4f45-9708-019B960494DF}">
-                  <a14:hiddenLine xmlns="" xmlns:a14="http://schemas.microsoft.com/office/drawing/2010/main" w="9525">
+                  <a14:hiddenLine xmlns:a14="http://schemas.microsoft.com/office/drawing/2010/main" xmlns="" w="9525">
                     <a:solidFill>
                       <a:srgbClr val="000000"/>
                     </a:solidFill>
@@ -11362,7 +11362,7 @@
               </a:ln>
               <a:extLst>
                 <a:ext uri="{91240B29-F687-4f45-9708-019B960494DF}">
-                  <a14:hiddenLine xmlns="" xmlns:a14="http://schemas.microsoft.com/office/drawing/2010/main" w="9525">
+                  <a14:hiddenLine xmlns:a14="http://schemas.microsoft.com/office/drawing/2010/main" xmlns="" w="9525">
                     <a:solidFill>
                       <a:srgbClr val="000000"/>
                     </a:solidFill>
@@ -11452,7 +11452,7 @@
               </a:ln>
               <a:extLst>
                 <a:ext uri="{91240B29-F687-4f45-9708-019B960494DF}">
-                  <a14:hiddenLine xmlns="" xmlns:a14="http://schemas.microsoft.com/office/drawing/2010/main" w="9525">
+                  <a14:hiddenLine xmlns:a14="http://schemas.microsoft.com/office/drawing/2010/main" xmlns="" w="9525">
                     <a:solidFill>
                       <a:srgbClr val="000000"/>
                     </a:solidFill>
@@ -11520,7 +11520,7 @@
               </a:ln>
               <a:extLst>
                 <a:ext uri="{91240B29-F687-4f45-9708-019B960494DF}">
-                  <a14:hiddenLine xmlns="" xmlns:a14="http://schemas.microsoft.com/office/drawing/2010/main" w="9525">
+                  <a14:hiddenLine xmlns:a14="http://schemas.microsoft.com/office/drawing/2010/main" xmlns="" w="9525">
                     <a:solidFill>
                       <a:srgbClr val="000000"/>
                     </a:solidFill>
@@ -11610,7 +11610,7 @@
               </a:ln>
               <a:extLst>
                 <a:ext uri="{91240B29-F687-4f45-9708-019B960494DF}">
-                  <a14:hiddenLine xmlns="" xmlns:a14="http://schemas.microsoft.com/office/drawing/2010/main" w="9525">
+                  <a14:hiddenLine xmlns:a14="http://schemas.microsoft.com/office/drawing/2010/main" xmlns="" w="9525">
                     <a:solidFill>
                       <a:srgbClr val="000000"/>
                     </a:solidFill>
@@ -11678,7 +11678,7 @@
               </a:ln>
               <a:extLst>
                 <a:ext uri="{91240B29-F687-4f45-9708-019B960494DF}">
-                  <a14:hiddenLine xmlns="" xmlns:a14="http://schemas.microsoft.com/office/drawing/2010/main" w="9525">
+                  <a14:hiddenLine xmlns:a14="http://schemas.microsoft.com/office/drawing/2010/main" xmlns="" w="9525">
                     <a:solidFill>
                       <a:srgbClr val="000000"/>
                     </a:solidFill>
@@ -11768,7 +11768,7 @@
               </a:ln>
               <a:extLst>
                 <a:ext uri="{91240B29-F687-4f45-9708-019B960494DF}">
-                  <a14:hiddenLine xmlns="" xmlns:a14="http://schemas.microsoft.com/office/drawing/2010/main" w="9525">
+                  <a14:hiddenLine xmlns:a14="http://schemas.microsoft.com/office/drawing/2010/main" xmlns="" w="9525">
                     <a:solidFill>
                       <a:srgbClr val="000000"/>
                     </a:solidFill>
@@ -11802,7 +11802,7 @@
               </a:ln>
               <a:extLst>
                 <a:ext uri="{91240B29-F687-4f45-9708-019B960494DF}">
-                  <a14:hiddenLine xmlns="" xmlns:a14="http://schemas.microsoft.com/office/drawing/2010/main" w="9525">
+                  <a14:hiddenLine xmlns:a14="http://schemas.microsoft.com/office/drawing/2010/main" xmlns="" w="9525">
                     <a:solidFill>
                       <a:srgbClr val="000000"/>
                     </a:solidFill>
@@ -11943,7 +11943,7 @@
             <a:fld id="{48A87A34-81AB-432B-8DAE-1953F412C126}" type="datetimeFigureOut">
               <a:rPr lang="en-US" dirty="0"/>
               <a:pPr/>
-              <a:t>6/26/2019</a:t>
+              <a:t>11/6/2019</a:t>
             </a:fld>
             <a:endParaRPr lang="en-US" dirty="0"/>
           </a:p>
@@ -12415,7 +12415,7 @@
           <a:p>
             <a:r>
               <a:rPr lang="en-US" dirty="0"/>
-              <a:t>Isaac Levin – application development manager @Microsoft</a:t>
+              <a:t>Isaac Levin – Senior Product Marketing manager @Microsoft</a:t>
             </a:r>
           </a:p>
           <a:p>
@@ -13006,158 +13006,6 @@
           </a:p>
         </p:txBody>
       </p:sp>
-      <p:grpSp>
-        <p:nvGrpSpPr>
-          <p:cNvPr id="4" name="Group 3">
-            <a:extLst>
-              <a:ext uri="{FF2B5EF4-FFF2-40B4-BE49-F238E27FC236}">
-                <a16:creationId xmlns:a16="http://schemas.microsoft.com/office/drawing/2014/main" id="{C2DFFA20-3E65-493D-88B0-0A0C822F0E7E}"/>
-              </a:ext>
-            </a:extLst>
-          </p:cNvPr>
-          <p:cNvGrpSpPr/>
-          <p:nvPr/>
-        </p:nvGrpSpPr>
-        <p:grpSpPr>
-          <a:xfrm>
-            <a:off x="1045596" y="6941490"/>
-            <a:ext cx="10384404" cy="5796501"/>
-            <a:chOff x="496956" y="818985"/>
-            <a:chExt cx="10384404" cy="5796501"/>
-          </a:xfrm>
-        </p:grpSpPr>
-        <p:sp>
-          <p:nvSpPr>
-            <p:cNvPr id="6" name="Rectangle 5">
-              <a:extLst>
-                <a:ext uri="{FF2B5EF4-FFF2-40B4-BE49-F238E27FC236}">
-                  <a16:creationId xmlns:a16="http://schemas.microsoft.com/office/drawing/2014/main" id="{CCC5E82F-EF2D-4B5A-8124-2E17DE33ED43}"/>
-                </a:ext>
-              </a:extLst>
-            </p:cNvPr>
-            <p:cNvSpPr/>
-            <p:nvPr/>
-          </p:nvSpPr>
-          <p:spPr>
-            <a:xfrm>
-              <a:off x="496956" y="818985"/>
-              <a:ext cx="10384404" cy="5796501"/>
-            </a:xfrm>
-            <a:prstGeom prst="rect">
-              <a:avLst/>
-            </a:prstGeom>
-            <a:solidFill>
-              <a:srgbClr val="0070C0"/>
-            </a:solidFill>
-            <a:ln>
-              <a:noFill/>
-            </a:ln>
-          </p:spPr>
-          <p:style>
-            <a:lnRef idx="2">
-              <a:schemeClr val="accent1">
-                <a:shade val="50000"/>
-              </a:schemeClr>
-            </a:lnRef>
-            <a:fillRef idx="1">
-              <a:schemeClr val="accent1"/>
-            </a:fillRef>
-            <a:effectRef idx="0">
-              <a:schemeClr val="accent1"/>
-            </a:effectRef>
-            <a:fontRef idx="minor">
-              <a:schemeClr val="lt1"/>
-            </a:fontRef>
-          </p:style>
-          <p:txBody>
-            <a:bodyPr rtlCol="0" anchor="ctr"/>
-            <a:lstStyle/>
-            <a:p>
-              <a:pPr algn="ctr"/>
-              <a:endParaRPr lang="en-US"/>
-            </a:p>
-          </p:txBody>
-        </p:sp>
-        <p:sp>
-          <p:nvSpPr>
-            <p:cNvPr id="7" name="Rectangle 6">
-              <a:extLst>
-                <a:ext uri="{FF2B5EF4-FFF2-40B4-BE49-F238E27FC236}">
-                  <a16:creationId xmlns:a16="http://schemas.microsoft.com/office/drawing/2014/main" id="{2CBBD55F-2FA1-4A95-8D46-3C800F6A4875}"/>
-                </a:ext>
-              </a:extLst>
-            </p:cNvPr>
-            <p:cNvSpPr/>
-            <p:nvPr/>
-          </p:nvSpPr>
-          <p:spPr>
-            <a:xfrm>
-              <a:off x="801757" y="1310341"/>
-              <a:ext cx="6096000" cy="4001095"/>
-            </a:xfrm>
-            <a:prstGeom prst="rect">
-              <a:avLst/>
-            </a:prstGeom>
-            <a:ln>
-              <a:noFill/>
-            </a:ln>
-          </p:spPr>
-          <p:txBody>
-            <a:bodyPr>
-              <a:spAutoFit/>
-            </a:bodyPr>
-            <a:lstStyle/>
-            <a:p>
-              <a:r>
-                <a:rPr lang="en-US" sz="2400" dirty="0"/>
-                <a:t>Don’t Take a Picture of this slide,</a:t>
-              </a:r>
-            </a:p>
-            <a:p>
-              <a:r>
-                <a:rPr lang="en-US" sz="2400" dirty="0"/>
-                <a:t>Use these QR Codes</a:t>
-              </a:r>
-            </a:p>
-            <a:p>
-              <a:endParaRPr lang="en-US" sz="2400" dirty="0"/>
-            </a:p>
-            <a:p>
-              <a:endParaRPr lang="en-US" sz="2400" dirty="0"/>
-            </a:p>
-            <a:p>
-              <a:r>
-                <a:rPr lang="en-US" sz="2400" dirty="0"/>
-                <a:t>Top Code is Reference Materials</a:t>
-              </a:r>
-            </a:p>
-            <a:p>
-              <a:endParaRPr lang="en-US" sz="2400" dirty="0"/>
-            </a:p>
-            <a:p>
-              <a:r>
-                <a:rPr lang="en-US" sz="2400" dirty="0"/>
-                <a:t>Bottom Code is Survey </a:t>
-              </a:r>
-            </a:p>
-            <a:p>
-              <a:endParaRPr lang="en-US" sz="2400" dirty="0"/>
-            </a:p>
-            <a:p>
-              <a:endParaRPr lang="en-US" sz="2400" dirty="0"/>
-            </a:p>
-            <a:p>
-              <a:endParaRPr lang="en-US" sz="2400" dirty="0"/>
-            </a:p>
-            <a:p>
-              <a:r>
-                <a:rPr lang="en-US" sz="1600" dirty="0"/>
-                <a:t>Come up showing your completed forms to get stickers!</a:t>
-              </a:r>
-            </a:p>
-          </p:txBody>
-        </p:sp>
-      </p:grpSp>
     </p:spTree>
     <p:extLst>
       <p:ext uri="{BB962C8B-B14F-4D97-AF65-F5344CB8AC3E}">
@@ -13314,7 +13162,7 @@
         <p:spPr>
           <a:xfrm>
             <a:off x="8253589" y="3167354"/>
-            <a:ext cx="2342308" cy="584775"/>
+            <a:ext cx="2326471" cy="584775"/>
           </a:xfrm>
           <a:prstGeom prst="rect">
             <a:avLst/>
@@ -13327,9 +13175,10 @@
           <a:lstStyle/>
           <a:p>
             <a:r>
-              <a:rPr lang="en-US" sz="3200" dirty="0"/>
-              <a:t>@isaac2004</a:t>
+              <a:rPr lang="en-US" sz="3200"/>
+              <a:t>@isaacrlevin</a:t>
             </a:r>
+            <a:endParaRPr lang="en-US" sz="3200" dirty="0"/>
           </a:p>
         </p:txBody>
       </p:sp>
@@ -13378,7 +13227,7 @@
         <p:spPr>
           <a:xfrm>
             <a:off x="1999177" y="3167354"/>
-            <a:ext cx="2342308" cy="584775"/>
+            <a:ext cx="2326471" cy="584775"/>
           </a:xfrm>
           <a:prstGeom prst="rect">
             <a:avLst/>
@@ -13392,7 +13241,7 @@
           <a:p>
             <a:r>
               <a:rPr lang="en-US" sz="3200" dirty="0"/>
-              <a:t>@isaac2004</a:t>
+              <a:t>@isaacrlevin</a:t>
             </a:r>
           </a:p>
         </p:txBody>
@@ -15194,14 +15043,14 @@
             <a:pPr marL="742950" lvl="1" indent="-285750"/>
             <a:r>
               <a:rPr lang="en-US" sz="2400" dirty="0"/>
-              <a:t>Available as OSS on GitHub</a:t>
+              <a:t>Available as OSS on GitHub or via Windows Store</a:t>
             </a:r>
           </a:p>
           <a:p>
             <a:pPr marL="742950" lvl="1" indent="-285750"/>
             <a:r>
               <a:rPr lang="en-US" sz="2400" dirty="0"/>
-              <a:t>Experimental at this point, with release later this year</a:t>
+              <a:t>Beta at this point, with release later this year</a:t>
             </a:r>
           </a:p>
           <a:p>
@@ -15234,8 +15083,8 @@
         </p:blipFill>
         <p:spPr>
           <a:xfrm>
-            <a:off x="2712566" y="2036148"/>
-            <a:ext cx="6096000" cy="3429000"/>
+            <a:off x="1071855" y="520614"/>
+            <a:ext cx="10045112" cy="5650376"/>
           </a:xfrm>
           <a:prstGeom prst="rect">
             <a:avLst/>
